--- a/Tessa/figs/fig_LCA.pptx
+++ b/Tessa/figs/fig_LCA.pptx
@@ -3443,8 +3443,8 @@
         </p:blipFill>
         <p:spPr>
           <a:xfrm>
-            <a:off x="3886200" y="2509807"/>
-            <a:ext cx="3896689" cy="2924629"/>
+            <a:off x="4038647" y="2784936"/>
+            <a:ext cx="3749937" cy="2814485"/>
           </a:xfrm>
           <a:prstGeom prst="rect">
             <a:avLst/>
@@ -3473,8 +3473,8 @@
         </p:blipFill>
         <p:spPr>
           <a:xfrm>
-            <a:off x="228779" y="2509807"/>
-            <a:ext cx="3896687" cy="2924629"/>
+            <a:off x="4095592" y="0"/>
+            <a:ext cx="3579486" cy="2686556"/>
           </a:xfrm>
           <a:prstGeom prst="rect">
             <a:avLst/>
@@ -3535,6 +3535,149 @@
           <a:xfrm>
             <a:off x="2150037" y="118573"/>
             <a:ext cx="1736163" cy="2314884"/>
+          </a:xfrm>
+          <a:prstGeom prst="rect">
+            <a:avLst/>
+          </a:prstGeom>
+        </p:spPr>
+      </p:pic>
+      <p:sp>
+        <p:nvSpPr>
+          <p:cNvPr id="24" name="TextBox 23">
+            <a:extLst>
+              <a:ext uri="{FF2B5EF4-FFF2-40B4-BE49-F238E27FC236}">
+                <a16:creationId xmlns:a16="http://schemas.microsoft.com/office/drawing/2014/main" id="{7A08B2E2-AEC7-ED58-F1C0-7BD42DA3E905}"/>
+              </a:ext>
+            </a:extLst>
+          </p:cNvPr>
+          <p:cNvSpPr txBox="1"/>
+          <p:nvPr/>
+        </p:nvSpPr>
+        <p:spPr>
+          <a:xfrm>
+            <a:off x="97323" y="118573"/>
+            <a:ext cx="558350" cy="246221"/>
+          </a:xfrm>
+          <a:prstGeom prst="rect">
+            <a:avLst/>
+          </a:prstGeom>
+          <a:noFill/>
+        </p:spPr>
+        <p:txBody>
+          <a:bodyPr wrap="square" rtlCol="0">
+            <a:spAutoFit/>
+          </a:bodyPr>
+          <a:lstStyle/>
+          <a:p>
+            <a:r>
+              <a:rPr lang="en-US" sz="1000" dirty="0">
+                <a:latin typeface="Arial" panose="020B0604020202020204" pitchFamily="34" charset="0"/>
+                <a:cs typeface="Arial" panose="020B0604020202020204" pitchFamily="34" charset="0"/>
+              </a:rPr>
+              <a:t>a)</a:t>
+            </a:r>
+          </a:p>
+        </p:txBody>
+      </p:sp>
+      <p:sp>
+        <p:nvSpPr>
+          <p:cNvPr id="25" name="TextBox 24">
+            <a:extLst>
+              <a:ext uri="{FF2B5EF4-FFF2-40B4-BE49-F238E27FC236}">
+                <a16:creationId xmlns:a16="http://schemas.microsoft.com/office/drawing/2014/main" id="{AB730FBA-6345-36FA-1FA1-78A406C4B45D}"/>
+              </a:ext>
+            </a:extLst>
+          </p:cNvPr>
+          <p:cNvSpPr txBox="1"/>
+          <p:nvPr/>
+        </p:nvSpPr>
+        <p:spPr>
+          <a:xfrm>
+            <a:off x="4038647" y="116247"/>
+            <a:ext cx="558350" cy="246221"/>
+          </a:xfrm>
+          <a:prstGeom prst="rect">
+            <a:avLst/>
+          </a:prstGeom>
+          <a:noFill/>
+        </p:spPr>
+        <p:txBody>
+          <a:bodyPr wrap="square" rtlCol="0">
+            <a:spAutoFit/>
+          </a:bodyPr>
+          <a:lstStyle/>
+          <a:p>
+            <a:r>
+              <a:rPr lang="en-US" sz="1000" dirty="0">
+                <a:latin typeface="Arial" panose="020B0604020202020204" pitchFamily="34" charset="0"/>
+                <a:cs typeface="Arial" panose="020B0604020202020204" pitchFamily="34" charset="0"/>
+              </a:rPr>
+              <a:t>b)</a:t>
+            </a:r>
+          </a:p>
+        </p:txBody>
+      </p:sp>
+      <p:sp>
+        <p:nvSpPr>
+          <p:cNvPr id="26" name="TextBox 25">
+            <a:extLst>
+              <a:ext uri="{FF2B5EF4-FFF2-40B4-BE49-F238E27FC236}">
+                <a16:creationId xmlns:a16="http://schemas.microsoft.com/office/drawing/2014/main" id="{A3D7551C-BCCF-7F43-2F27-27CABCDD569B}"/>
+              </a:ext>
+            </a:extLst>
+          </p:cNvPr>
+          <p:cNvSpPr txBox="1"/>
+          <p:nvPr/>
+        </p:nvSpPr>
+        <p:spPr>
+          <a:xfrm>
+            <a:off x="148868" y="2938281"/>
+            <a:ext cx="558350" cy="246221"/>
+          </a:xfrm>
+          <a:prstGeom prst="rect">
+            <a:avLst/>
+          </a:prstGeom>
+          <a:noFill/>
+        </p:spPr>
+        <p:txBody>
+          <a:bodyPr wrap="square" rtlCol="0">
+            <a:spAutoFit/>
+          </a:bodyPr>
+          <a:lstStyle/>
+          <a:p>
+            <a:r>
+              <a:rPr lang="en-US" sz="1000" dirty="0">
+                <a:latin typeface="Arial" panose="020B0604020202020204" pitchFamily="34" charset="0"/>
+                <a:cs typeface="Arial" panose="020B0604020202020204" pitchFamily="34" charset="0"/>
+              </a:rPr>
+              <a:t>c)</a:t>
+            </a:r>
+          </a:p>
+        </p:txBody>
+      </p:sp>
+      <p:pic>
+        <p:nvPicPr>
+          <p:cNvPr id="31" name="Picture 30">
+            <a:extLst>
+              <a:ext uri="{FF2B5EF4-FFF2-40B4-BE49-F238E27FC236}">
+                <a16:creationId xmlns:a16="http://schemas.microsoft.com/office/drawing/2014/main" id="{ABFAE4A9-BA52-4EF9-4D04-9A4FE466BE9E}"/>
+              </a:ext>
+            </a:extLst>
+          </p:cNvPr>
+          <p:cNvPicPr>
+            <a:picLocks noChangeAspect="1"/>
+          </p:cNvPicPr>
+          <p:nvPr/>
+        </p:nvPicPr>
+        <p:blipFill rotWithShape="1">
+          <a:blip r:embed="rId7"/>
+          <a:srcRect r="9317"/>
+          <a:stretch/>
+        </p:blipFill>
+        <p:spPr>
+          <a:xfrm>
+            <a:off x="500890" y="2784936"/>
+            <a:ext cx="3400556" cy="2814485"/>
           </a:xfrm>
           <a:prstGeom prst="rect">
             <a:avLst/>

--- a/Tessa/figs/fig_LCA.pptx
+++ b/Tessa/figs/fig_LCA.pptx
@@ -107,6 +107,11 @@
       </a:defRPr>
     </a:lvl9pPr>
   </p:defaultTextStyle>
+  <p:extLst>
+    <p:ext uri="{EFAFB233-063F-42B5-8137-9DF3F51BA10A}">
+      <p15:sldGuideLst xmlns:p15="http://schemas.microsoft.com/office/powerpoint/2012/main"/>
+    </p:ext>
+  </p:extLst>
 </p:presentation>
 </file>
 
@@ -192,7 +197,7 @@
           <a:p>
             <a:fld id="{41FA447C-F363-F440-9071-C508DE7932C4}" type="datetimeFigureOut">
               <a:rPr lang="en-US" smtClean="0"/>
-              <a:t>1/9/24</a:t>
+              <a:t>2/5/24</a:t>
             </a:fld>
             <a:endParaRPr lang="en-US"/>
           </a:p>
@@ -693,7 +698,7 @@
           <a:p>
             <a:fld id="{DA9B67A5-A4F9-9844-9B3C-871975C5D723}" type="datetimeFigureOut">
               <a:rPr lang="en-US" smtClean="0"/>
-              <a:t>1/8/24</a:t>
+              <a:t>2/5/24</a:t>
             </a:fld>
             <a:endParaRPr lang="en-US"/>
           </a:p>
@@ -863,7 +868,7 @@
           <a:p>
             <a:fld id="{DA9B67A5-A4F9-9844-9B3C-871975C5D723}" type="datetimeFigureOut">
               <a:rPr lang="en-US" smtClean="0"/>
-              <a:t>1/8/24</a:t>
+              <a:t>2/5/24</a:t>
             </a:fld>
             <a:endParaRPr lang="en-US"/>
           </a:p>
@@ -1043,7 +1048,7 @@
           <a:p>
             <a:fld id="{DA9B67A5-A4F9-9844-9B3C-871975C5D723}" type="datetimeFigureOut">
               <a:rPr lang="en-US" smtClean="0"/>
-              <a:t>1/8/24</a:t>
+              <a:t>2/5/24</a:t>
             </a:fld>
             <a:endParaRPr lang="en-US"/>
           </a:p>
@@ -1213,7 +1218,7 @@
           <a:p>
             <a:fld id="{DA9B67A5-A4F9-9844-9B3C-871975C5D723}" type="datetimeFigureOut">
               <a:rPr lang="en-US" smtClean="0"/>
-              <a:t>1/8/24</a:t>
+              <a:t>2/5/24</a:t>
             </a:fld>
             <a:endParaRPr lang="en-US"/>
           </a:p>
@@ -1457,7 +1462,7 @@
           <a:p>
             <a:fld id="{DA9B67A5-A4F9-9844-9B3C-871975C5D723}" type="datetimeFigureOut">
               <a:rPr lang="en-US" smtClean="0"/>
-              <a:t>1/8/24</a:t>
+              <a:t>2/5/24</a:t>
             </a:fld>
             <a:endParaRPr lang="en-US"/>
           </a:p>
@@ -1689,7 +1694,7 @@
           <a:p>
             <a:fld id="{DA9B67A5-A4F9-9844-9B3C-871975C5D723}" type="datetimeFigureOut">
               <a:rPr lang="en-US" smtClean="0"/>
-              <a:t>1/8/24</a:t>
+              <a:t>2/5/24</a:t>
             </a:fld>
             <a:endParaRPr lang="en-US"/>
           </a:p>
@@ -2056,7 +2061,7 @@
           <a:p>
             <a:fld id="{DA9B67A5-A4F9-9844-9B3C-871975C5D723}" type="datetimeFigureOut">
               <a:rPr lang="en-US" smtClean="0"/>
-              <a:t>1/8/24</a:t>
+              <a:t>2/5/24</a:t>
             </a:fld>
             <a:endParaRPr lang="en-US"/>
           </a:p>
@@ -2174,7 +2179,7 @@
           <a:p>
             <a:fld id="{DA9B67A5-A4F9-9844-9B3C-871975C5D723}" type="datetimeFigureOut">
               <a:rPr lang="en-US" smtClean="0"/>
-              <a:t>1/8/24</a:t>
+              <a:t>2/5/24</a:t>
             </a:fld>
             <a:endParaRPr lang="en-US"/>
           </a:p>
@@ -2269,7 +2274,7 @@
           <a:p>
             <a:fld id="{DA9B67A5-A4F9-9844-9B3C-871975C5D723}" type="datetimeFigureOut">
               <a:rPr lang="en-US" smtClean="0"/>
-              <a:t>1/8/24</a:t>
+              <a:t>2/5/24</a:t>
             </a:fld>
             <a:endParaRPr lang="en-US"/>
           </a:p>
@@ -2546,7 +2551,7 @@
           <a:p>
             <a:fld id="{DA9B67A5-A4F9-9844-9B3C-871975C5D723}" type="datetimeFigureOut">
               <a:rPr lang="en-US" smtClean="0"/>
-              <a:t>1/8/24</a:t>
+              <a:t>2/5/24</a:t>
             </a:fld>
             <a:endParaRPr lang="en-US"/>
           </a:p>
@@ -2803,7 +2808,7 @@
           <a:p>
             <a:fld id="{DA9B67A5-A4F9-9844-9B3C-871975C5D723}" type="datetimeFigureOut">
               <a:rPr lang="en-US" smtClean="0"/>
-              <a:t>1/8/24</a:t>
+              <a:t>2/5/24</a:t>
             </a:fld>
             <a:endParaRPr lang="en-US"/>
           </a:p>
@@ -3016,7 +3021,7 @@
           <a:p>
             <a:fld id="{DA9B67A5-A4F9-9844-9B3C-871975C5D723}" type="datetimeFigureOut">
               <a:rPr lang="en-US" smtClean="0"/>
-              <a:t>1/8/24</a:t>
+              <a:t>2/5/24</a:t>
             </a:fld>
             <a:endParaRPr lang="en-US"/>
           </a:p>
@@ -3423,10 +3428,10 @@
       </p:grpSpPr>
       <p:pic>
         <p:nvPicPr>
-          <p:cNvPr id="9" name="Picture 8">
+          <p:cNvPr id="11" name="Picture 10">
             <a:extLst>
               <a:ext uri="{FF2B5EF4-FFF2-40B4-BE49-F238E27FC236}">
-                <a16:creationId xmlns:a16="http://schemas.microsoft.com/office/drawing/2014/main" id="{F5A1F240-E7BB-B9A4-A9C4-9CA199466029}"/>
+                <a16:creationId xmlns:a16="http://schemas.microsoft.com/office/drawing/2014/main" id="{A875D7C4-B1AD-4DD9-4AC0-37339BF298BC}"/>
               </a:ext>
             </a:extLst>
           </p:cNvPr>
@@ -3443,37 +3448,7 @@
         </p:blipFill>
         <p:spPr>
           <a:xfrm>
-            <a:off x="4038647" y="2784936"/>
-            <a:ext cx="3749937" cy="2814485"/>
-          </a:xfrm>
-          <a:prstGeom prst="rect">
-            <a:avLst/>
-          </a:prstGeom>
-        </p:spPr>
-      </p:pic>
-      <p:pic>
-        <p:nvPicPr>
-          <p:cNvPr id="11" name="Picture 10">
-            <a:extLst>
-              <a:ext uri="{FF2B5EF4-FFF2-40B4-BE49-F238E27FC236}">
-                <a16:creationId xmlns:a16="http://schemas.microsoft.com/office/drawing/2014/main" id="{A875D7C4-B1AD-4DD9-4AC0-37339BF298BC}"/>
-              </a:ext>
-            </a:extLst>
-          </p:cNvPr>
-          <p:cNvPicPr>
-            <a:picLocks noChangeAspect="1"/>
-          </p:cNvPicPr>
-          <p:nvPr/>
-        </p:nvPicPr>
-        <p:blipFill>
-          <a:blip r:embed="rId4"/>
-          <a:stretch>
-            <a:fillRect/>
-          </a:stretch>
-        </p:blipFill>
-        <p:spPr>
-          <a:xfrm>
-            <a:off x="4095592" y="0"/>
+            <a:off x="3977640" y="64167"/>
             <a:ext cx="3579486" cy="2686556"/>
           </a:xfrm>
           <a:prstGeom prst="rect">
@@ -3496,7 +3471,7 @@
           <p:nvPr/>
         </p:nvPicPr>
         <p:blipFill>
-          <a:blip r:embed="rId5"/>
+          <a:blip r:embed="rId4"/>
           <a:stretch>
             <a:fillRect/>
           </a:stretch>
@@ -3511,12 +3486,155 @@
           </a:prstGeom>
         </p:spPr>
       </p:pic>
+      <p:sp>
+        <p:nvSpPr>
+          <p:cNvPr id="24" name="TextBox 23">
+            <a:extLst>
+              <a:ext uri="{FF2B5EF4-FFF2-40B4-BE49-F238E27FC236}">
+                <a16:creationId xmlns:a16="http://schemas.microsoft.com/office/drawing/2014/main" id="{7A08B2E2-AEC7-ED58-F1C0-7BD42DA3E905}"/>
+              </a:ext>
+            </a:extLst>
+          </p:cNvPr>
+          <p:cNvSpPr txBox="1"/>
+          <p:nvPr/>
+        </p:nvSpPr>
+        <p:spPr>
+          <a:xfrm>
+            <a:off x="97323" y="118573"/>
+            <a:ext cx="558350" cy="246221"/>
+          </a:xfrm>
+          <a:prstGeom prst="rect">
+            <a:avLst/>
+          </a:prstGeom>
+          <a:noFill/>
+        </p:spPr>
+        <p:txBody>
+          <a:bodyPr wrap="square" rtlCol="0">
+            <a:spAutoFit/>
+          </a:bodyPr>
+          <a:lstStyle/>
+          <a:p>
+            <a:r>
+              <a:rPr lang="en-US" sz="1000" dirty="0">
+                <a:latin typeface="Arial" panose="020B0604020202020204" pitchFamily="34" charset="0"/>
+                <a:cs typeface="Arial" panose="020B0604020202020204" pitchFamily="34" charset="0"/>
+              </a:rPr>
+              <a:t>a)</a:t>
+            </a:r>
+          </a:p>
+        </p:txBody>
+      </p:sp>
+      <p:sp>
+        <p:nvSpPr>
+          <p:cNvPr id="25" name="TextBox 24">
+            <a:extLst>
+              <a:ext uri="{FF2B5EF4-FFF2-40B4-BE49-F238E27FC236}">
+                <a16:creationId xmlns:a16="http://schemas.microsoft.com/office/drawing/2014/main" id="{AB730FBA-6345-36FA-1FA1-78A406C4B45D}"/>
+              </a:ext>
+            </a:extLst>
+          </p:cNvPr>
+          <p:cNvSpPr txBox="1"/>
+          <p:nvPr/>
+        </p:nvSpPr>
+        <p:spPr>
+          <a:xfrm>
+            <a:off x="4038647" y="116247"/>
+            <a:ext cx="558350" cy="246221"/>
+          </a:xfrm>
+          <a:prstGeom prst="rect">
+            <a:avLst/>
+          </a:prstGeom>
+          <a:noFill/>
+        </p:spPr>
+        <p:txBody>
+          <a:bodyPr wrap="square" rtlCol="0">
+            <a:spAutoFit/>
+          </a:bodyPr>
+          <a:lstStyle/>
+          <a:p>
+            <a:r>
+              <a:rPr lang="en-US" sz="1000" dirty="0">
+                <a:latin typeface="Arial" panose="020B0604020202020204" pitchFamily="34" charset="0"/>
+                <a:cs typeface="Arial" panose="020B0604020202020204" pitchFamily="34" charset="0"/>
+              </a:rPr>
+              <a:t>b)</a:t>
+            </a:r>
+          </a:p>
+        </p:txBody>
+      </p:sp>
+      <p:sp>
+        <p:nvSpPr>
+          <p:cNvPr id="26" name="TextBox 25">
+            <a:extLst>
+              <a:ext uri="{FF2B5EF4-FFF2-40B4-BE49-F238E27FC236}">
+                <a16:creationId xmlns:a16="http://schemas.microsoft.com/office/drawing/2014/main" id="{A3D7551C-BCCF-7F43-2F27-27CABCDD569B}"/>
+              </a:ext>
+            </a:extLst>
+          </p:cNvPr>
+          <p:cNvSpPr txBox="1"/>
+          <p:nvPr/>
+        </p:nvSpPr>
+        <p:spPr>
+          <a:xfrm>
+            <a:off x="148868" y="2938281"/>
+            <a:ext cx="558350" cy="246221"/>
+          </a:xfrm>
+          <a:prstGeom prst="rect">
+            <a:avLst/>
+          </a:prstGeom>
+          <a:noFill/>
+        </p:spPr>
+        <p:txBody>
+          <a:bodyPr wrap="square" rtlCol="0">
+            <a:spAutoFit/>
+          </a:bodyPr>
+          <a:lstStyle/>
+          <a:p>
+            <a:r>
+              <a:rPr lang="en-US" sz="1000" dirty="0">
+                <a:latin typeface="Arial" panose="020B0604020202020204" pitchFamily="34" charset="0"/>
+                <a:cs typeface="Arial" panose="020B0604020202020204" pitchFamily="34" charset="0"/>
+              </a:rPr>
+              <a:t>c)</a:t>
+            </a:r>
+          </a:p>
+        </p:txBody>
+      </p:sp>
       <p:pic>
         <p:nvPicPr>
-          <p:cNvPr id="19" name="Picture 18">
+          <p:cNvPr id="31" name="Picture 30">
             <a:extLst>
               <a:ext uri="{FF2B5EF4-FFF2-40B4-BE49-F238E27FC236}">
-                <a16:creationId xmlns:a16="http://schemas.microsoft.com/office/drawing/2014/main" id="{E1E00D50-1D15-2628-D26C-7B5D8CD1A6A5}"/>
+                <a16:creationId xmlns:a16="http://schemas.microsoft.com/office/drawing/2014/main" id="{ABFAE4A9-BA52-4EF9-4D04-9A4FE466BE9E}"/>
+              </a:ext>
+            </a:extLst>
+          </p:cNvPr>
+          <p:cNvPicPr>
+            <a:picLocks noChangeAspect="1"/>
+          </p:cNvPicPr>
+          <p:nvPr/>
+        </p:nvPicPr>
+        <p:blipFill rotWithShape="1">
+          <a:blip r:embed="rId5"/>
+          <a:srcRect r="9317"/>
+          <a:stretch/>
+        </p:blipFill>
+        <p:spPr>
+          <a:xfrm>
+            <a:off x="500890" y="2784936"/>
+            <a:ext cx="3400556" cy="2814485"/>
+          </a:xfrm>
+          <a:prstGeom prst="rect">
+            <a:avLst/>
+          </a:prstGeom>
+        </p:spPr>
+      </p:pic>
+      <p:pic>
+        <p:nvPicPr>
+          <p:cNvPr id="3" name="Picture 2">
+            <a:extLst>
+              <a:ext uri="{FF2B5EF4-FFF2-40B4-BE49-F238E27FC236}">
+                <a16:creationId xmlns:a16="http://schemas.microsoft.com/office/drawing/2014/main" id="{291C8A3E-2D62-A599-52A2-86BBCF0CD6E7}"/>
               </a:ext>
             </a:extLst>
           </p:cNvPr>
@@ -3533,7 +3651,7 @@
         </p:blipFill>
         <p:spPr>
           <a:xfrm>
-            <a:off x="2150037" y="118573"/>
+            <a:off x="1951533" y="118872"/>
             <a:ext cx="1736163" cy="2314884"/>
           </a:xfrm>
           <a:prstGeom prst="rect">
@@ -3541,126 +3659,12 @@
           </a:prstGeom>
         </p:spPr>
       </p:pic>
-      <p:sp>
-        <p:nvSpPr>
-          <p:cNvPr id="24" name="TextBox 23">
+      <p:pic>
+        <p:nvPicPr>
+          <p:cNvPr id="5" name="Picture 4">
             <a:extLst>
               <a:ext uri="{FF2B5EF4-FFF2-40B4-BE49-F238E27FC236}">
-                <a16:creationId xmlns:a16="http://schemas.microsoft.com/office/drawing/2014/main" id="{7A08B2E2-AEC7-ED58-F1C0-7BD42DA3E905}"/>
-              </a:ext>
-            </a:extLst>
-          </p:cNvPr>
-          <p:cNvSpPr txBox="1"/>
-          <p:nvPr/>
-        </p:nvSpPr>
-        <p:spPr>
-          <a:xfrm>
-            <a:off x="97323" y="118573"/>
-            <a:ext cx="558350" cy="246221"/>
-          </a:xfrm>
-          <a:prstGeom prst="rect">
-            <a:avLst/>
-          </a:prstGeom>
-          <a:noFill/>
-        </p:spPr>
-        <p:txBody>
-          <a:bodyPr wrap="square" rtlCol="0">
-            <a:spAutoFit/>
-          </a:bodyPr>
-          <a:lstStyle/>
-          <a:p>
-            <a:r>
-              <a:rPr lang="en-US" sz="1000" dirty="0">
-                <a:latin typeface="Arial" panose="020B0604020202020204" pitchFamily="34" charset="0"/>
-                <a:cs typeface="Arial" panose="020B0604020202020204" pitchFamily="34" charset="0"/>
-              </a:rPr>
-              <a:t>a)</a:t>
-            </a:r>
-          </a:p>
-        </p:txBody>
-      </p:sp>
-      <p:sp>
-        <p:nvSpPr>
-          <p:cNvPr id="25" name="TextBox 24">
-            <a:extLst>
-              <a:ext uri="{FF2B5EF4-FFF2-40B4-BE49-F238E27FC236}">
-                <a16:creationId xmlns:a16="http://schemas.microsoft.com/office/drawing/2014/main" id="{AB730FBA-6345-36FA-1FA1-78A406C4B45D}"/>
-              </a:ext>
-            </a:extLst>
-          </p:cNvPr>
-          <p:cNvSpPr txBox="1"/>
-          <p:nvPr/>
-        </p:nvSpPr>
-        <p:spPr>
-          <a:xfrm>
-            <a:off x="4038647" y="116247"/>
-            <a:ext cx="558350" cy="246221"/>
-          </a:xfrm>
-          <a:prstGeom prst="rect">
-            <a:avLst/>
-          </a:prstGeom>
-          <a:noFill/>
-        </p:spPr>
-        <p:txBody>
-          <a:bodyPr wrap="square" rtlCol="0">
-            <a:spAutoFit/>
-          </a:bodyPr>
-          <a:lstStyle/>
-          <a:p>
-            <a:r>
-              <a:rPr lang="en-US" sz="1000" dirty="0">
-                <a:latin typeface="Arial" panose="020B0604020202020204" pitchFamily="34" charset="0"/>
-                <a:cs typeface="Arial" panose="020B0604020202020204" pitchFamily="34" charset="0"/>
-              </a:rPr>
-              <a:t>b)</a:t>
-            </a:r>
-          </a:p>
-        </p:txBody>
-      </p:sp>
-      <p:sp>
-        <p:nvSpPr>
-          <p:cNvPr id="26" name="TextBox 25">
-            <a:extLst>
-              <a:ext uri="{FF2B5EF4-FFF2-40B4-BE49-F238E27FC236}">
-                <a16:creationId xmlns:a16="http://schemas.microsoft.com/office/drawing/2014/main" id="{A3D7551C-BCCF-7F43-2F27-27CABCDD569B}"/>
-              </a:ext>
-            </a:extLst>
-          </p:cNvPr>
-          <p:cNvSpPr txBox="1"/>
-          <p:nvPr/>
-        </p:nvSpPr>
-        <p:spPr>
-          <a:xfrm>
-            <a:off x="148868" y="2938281"/>
-            <a:ext cx="558350" cy="246221"/>
-          </a:xfrm>
-          <a:prstGeom prst="rect">
-            <a:avLst/>
-          </a:prstGeom>
-          <a:noFill/>
-        </p:spPr>
-        <p:txBody>
-          <a:bodyPr wrap="square" rtlCol="0">
-            <a:spAutoFit/>
-          </a:bodyPr>
-          <a:lstStyle/>
-          <a:p>
-            <a:r>
-              <a:rPr lang="en-US" sz="1000" dirty="0">
-                <a:latin typeface="Arial" panose="020B0604020202020204" pitchFamily="34" charset="0"/>
-                <a:cs typeface="Arial" panose="020B0604020202020204" pitchFamily="34" charset="0"/>
-              </a:rPr>
-              <a:t>c)</a:t>
-            </a:r>
-          </a:p>
-        </p:txBody>
-      </p:sp>
-      <p:pic>
-        <p:nvPicPr>
-          <p:cNvPr id="31" name="Picture 30">
-            <a:extLst>
-              <a:ext uri="{FF2B5EF4-FFF2-40B4-BE49-F238E27FC236}">
-                <a16:creationId xmlns:a16="http://schemas.microsoft.com/office/drawing/2014/main" id="{ABFAE4A9-BA52-4EF9-4D04-9A4FE466BE9E}"/>
+                <a16:creationId xmlns:a16="http://schemas.microsoft.com/office/drawing/2014/main" id="{649B35D4-F2C9-834E-7C03-F879B9B75BAF}"/>
               </a:ext>
             </a:extLst>
           </p:cNvPr>
@@ -3669,15 +3673,16 @@
           </p:cNvPicPr>
           <p:nvPr/>
         </p:nvPicPr>
-        <p:blipFill rotWithShape="1">
+        <p:blipFill>
           <a:blip r:embed="rId7"/>
-          <a:srcRect r="9317"/>
-          <a:stretch/>
+          <a:stretch>
+            <a:fillRect/>
+          </a:stretch>
         </p:blipFill>
         <p:spPr>
           <a:xfrm>
-            <a:off x="500890" y="2784936"/>
-            <a:ext cx="3400556" cy="2814485"/>
+            <a:off x="3974872" y="2784936"/>
+            <a:ext cx="3579486" cy="2686556"/>
           </a:xfrm>
           <a:prstGeom prst="rect">
             <a:avLst/>
